--- a/Platinum/202112/Problem1/images/images.pptx
+++ b/Platinum/202112/Problem1/images/images.pptx
@@ -5,7 +5,8 @@
     <p:sldMasterId id="2147483648" r:id="rId1"/>
   </p:sldMasterIdLst>
   <p:sldIdLst>
-    <p:sldId id="257" r:id="rId2"/>
+    <p:sldId id="258" r:id="rId2"/>
+    <p:sldId id="257" r:id="rId3"/>
   </p:sldIdLst>
   <p:sldSz cx="12192000" cy="6858000"/>
   <p:notesSz cx="6858000" cy="9144000"/>
@@ -104,6 +105,11 @@
       </a:defRPr>
     </a:lvl9pPr>
   </p:defaultTextStyle>
+  <p:extLst>
+    <p:ext uri="{EFAFB233-063F-42B5-8137-9DF3F51BA10A}">
+      <p15:sldGuideLst xmlns:p15="http://schemas.microsoft.com/office/powerpoint/2012/main"/>
+    </p:ext>
+  </p:extLst>
 </p:presentation>
 </file>
 
@@ -3321,8 +3327,1315 @@
           <a:chExt cx="0" cy="0"/>
         </a:xfrm>
       </p:grpSpPr>
-      <mc:AlternateContent xmlns:mc="http://schemas.openxmlformats.org/markup-compatibility/2006">
-        <mc:Choice xmlns:a14="http://schemas.microsoft.com/office/drawing/2010/main" Requires="a14">
+      <p:sp>
+        <p:nvSpPr>
+          <p:cNvPr id="3" name="Rectangle 2">
+            <a:extLst>
+              <a:ext uri="{FF2B5EF4-FFF2-40B4-BE49-F238E27FC236}">
+                <a16:creationId xmlns:a16="http://schemas.microsoft.com/office/drawing/2014/main" id="{F362BE6B-54D0-4959-8BAB-E34A2FCE689F}"/>
+              </a:ext>
+            </a:extLst>
+          </p:cNvPr>
+          <p:cNvSpPr/>
+          <p:nvPr/>
+        </p:nvSpPr>
+        <p:spPr>
+          <a:xfrm>
+            <a:off x="3907204" y="1720138"/>
+            <a:ext cx="521746" cy="521746"/>
+          </a:xfrm>
+          <a:prstGeom prst="rect">
+            <a:avLst/>
+          </a:prstGeom>
+          <a:solidFill>
+            <a:schemeClr val="bg1"/>
+          </a:solidFill>
+          <a:ln>
+            <a:solidFill>
+              <a:schemeClr val="tx1"/>
+            </a:solidFill>
+          </a:ln>
+        </p:spPr>
+        <p:style>
+          <a:lnRef idx="2">
+            <a:schemeClr val="accent1">
+              <a:shade val="50000"/>
+            </a:schemeClr>
+          </a:lnRef>
+          <a:fillRef idx="1">
+            <a:schemeClr val="accent1"/>
+          </a:fillRef>
+          <a:effectRef idx="0">
+            <a:schemeClr val="accent1"/>
+          </a:effectRef>
+          <a:fontRef idx="minor">
+            <a:schemeClr val="lt1"/>
+          </a:fontRef>
+        </p:style>
+        <p:txBody>
+          <a:bodyPr rtlCol="0" anchor="ctr"/>
+          <a:lstStyle/>
+          <a:p>
+            <a:pPr algn="ctr"/>
+            <a:r>
+              <a:rPr lang="en-US" dirty="0">
+                <a:solidFill>
+                  <a:schemeClr val="tx1"/>
+                </a:solidFill>
+              </a:rPr>
+              <a:t>1</a:t>
+            </a:r>
+          </a:p>
+        </p:txBody>
+      </p:sp>
+      <p:sp>
+        <p:nvSpPr>
+          <p:cNvPr id="4" name="Rectangle 3">
+            <a:extLst>
+              <a:ext uri="{FF2B5EF4-FFF2-40B4-BE49-F238E27FC236}">
+                <a16:creationId xmlns:a16="http://schemas.microsoft.com/office/drawing/2014/main" id="{535F9D62-D628-42EA-BCAA-F48E8FC8C2A8}"/>
+              </a:ext>
+            </a:extLst>
+          </p:cNvPr>
+          <p:cNvSpPr/>
+          <p:nvPr/>
+        </p:nvSpPr>
+        <p:spPr>
+          <a:xfrm>
+            <a:off x="3907204" y="3641302"/>
+            <a:ext cx="521746" cy="521746"/>
+          </a:xfrm>
+          <a:prstGeom prst="rect">
+            <a:avLst/>
+          </a:prstGeom>
+          <a:solidFill>
+            <a:schemeClr val="bg1"/>
+          </a:solidFill>
+          <a:ln>
+            <a:solidFill>
+              <a:schemeClr val="tx1"/>
+            </a:solidFill>
+          </a:ln>
+        </p:spPr>
+        <p:style>
+          <a:lnRef idx="2">
+            <a:schemeClr val="accent1">
+              <a:shade val="50000"/>
+            </a:schemeClr>
+          </a:lnRef>
+          <a:fillRef idx="1">
+            <a:schemeClr val="accent1"/>
+          </a:fillRef>
+          <a:effectRef idx="0">
+            <a:schemeClr val="accent1"/>
+          </a:effectRef>
+          <a:fontRef idx="minor">
+            <a:schemeClr val="lt1"/>
+          </a:fontRef>
+        </p:style>
+        <p:txBody>
+          <a:bodyPr rtlCol="0" anchor="ctr"/>
+          <a:lstStyle/>
+          <a:p>
+            <a:pPr algn="ctr"/>
+            <a:r>
+              <a:rPr lang="en-US" dirty="0">
+                <a:solidFill>
+                  <a:schemeClr val="tx1"/>
+                </a:solidFill>
+              </a:rPr>
+              <a:t>2</a:t>
+            </a:r>
+          </a:p>
+        </p:txBody>
+      </p:sp>
+      <p:sp>
+        <p:nvSpPr>
+          <p:cNvPr id="5" name="Oval 4">
+            <a:extLst>
+              <a:ext uri="{FF2B5EF4-FFF2-40B4-BE49-F238E27FC236}">
+                <a16:creationId xmlns:a16="http://schemas.microsoft.com/office/drawing/2014/main" id="{B8A8BA71-A4EB-4A50-97BA-F82BEE66D34D}"/>
+              </a:ext>
+            </a:extLst>
+          </p:cNvPr>
+          <p:cNvSpPr/>
+          <p:nvPr/>
+        </p:nvSpPr>
+        <p:spPr>
+          <a:xfrm>
+            <a:off x="5542704" y="1355817"/>
+            <a:ext cx="521746" cy="521746"/>
+          </a:xfrm>
+          <a:prstGeom prst="ellipse">
+            <a:avLst/>
+          </a:prstGeom>
+          <a:solidFill>
+            <a:schemeClr val="bg1"/>
+          </a:solidFill>
+          <a:ln>
+            <a:solidFill>
+              <a:schemeClr val="tx1"/>
+            </a:solidFill>
+          </a:ln>
+        </p:spPr>
+        <p:style>
+          <a:lnRef idx="2">
+            <a:schemeClr val="accent1">
+              <a:shade val="50000"/>
+            </a:schemeClr>
+          </a:lnRef>
+          <a:fillRef idx="1">
+            <a:schemeClr val="accent1"/>
+          </a:fillRef>
+          <a:effectRef idx="0">
+            <a:schemeClr val="accent1"/>
+          </a:effectRef>
+          <a:fontRef idx="minor">
+            <a:schemeClr val="lt1"/>
+          </a:fontRef>
+        </p:style>
+        <p:txBody>
+          <a:bodyPr rtlCol="0" anchor="ctr"/>
+          <a:lstStyle/>
+          <a:p>
+            <a:pPr algn="ctr"/>
+            <a:r>
+              <a:rPr lang="en-US" dirty="0">
+                <a:solidFill>
+                  <a:schemeClr val="tx1"/>
+                </a:solidFill>
+              </a:rPr>
+              <a:t>2</a:t>
+            </a:r>
+          </a:p>
+        </p:txBody>
+      </p:sp>
+      <p:sp>
+        <p:nvSpPr>
+          <p:cNvPr id="6" name="Oval 5">
+            <a:extLst>
+              <a:ext uri="{FF2B5EF4-FFF2-40B4-BE49-F238E27FC236}">
+                <a16:creationId xmlns:a16="http://schemas.microsoft.com/office/drawing/2014/main" id="{FBDC3E5A-A409-4104-9283-08B79360E9BE}"/>
+              </a:ext>
+            </a:extLst>
+          </p:cNvPr>
+          <p:cNvSpPr/>
+          <p:nvPr/>
+        </p:nvSpPr>
+        <p:spPr>
+          <a:xfrm>
+            <a:off x="5551803" y="2146867"/>
+            <a:ext cx="521746" cy="521746"/>
+          </a:xfrm>
+          <a:prstGeom prst="ellipse">
+            <a:avLst/>
+          </a:prstGeom>
+          <a:solidFill>
+            <a:schemeClr val="bg1"/>
+          </a:solidFill>
+          <a:ln>
+            <a:solidFill>
+              <a:schemeClr val="tx1"/>
+            </a:solidFill>
+          </a:ln>
+        </p:spPr>
+        <p:style>
+          <a:lnRef idx="2">
+            <a:schemeClr val="accent1">
+              <a:shade val="50000"/>
+            </a:schemeClr>
+          </a:lnRef>
+          <a:fillRef idx="1">
+            <a:schemeClr val="accent1"/>
+          </a:fillRef>
+          <a:effectRef idx="0">
+            <a:schemeClr val="accent1"/>
+          </a:effectRef>
+          <a:fontRef idx="minor">
+            <a:schemeClr val="lt1"/>
+          </a:fontRef>
+        </p:style>
+        <p:txBody>
+          <a:bodyPr rtlCol="0" anchor="ctr"/>
+          <a:lstStyle/>
+          <a:p>
+            <a:pPr algn="ctr"/>
+            <a:r>
+              <a:rPr lang="en-US" dirty="0">
+                <a:solidFill>
+                  <a:schemeClr val="tx1"/>
+                </a:solidFill>
+              </a:rPr>
+              <a:t>3</a:t>
+            </a:r>
+          </a:p>
+        </p:txBody>
+      </p:sp>
+      <p:sp>
+        <p:nvSpPr>
+          <p:cNvPr id="7" name="Oval 6">
+            <a:extLst>
+              <a:ext uri="{FF2B5EF4-FFF2-40B4-BE49-F238E27FC236}">
+                <a16:creationId xmlns:a16="http://schemas.microsoft.com/office/drawing/2014/main" id="{C821040C-11A4-43FB-AC76-AF894039B968}"/>
+              </a:ext>
+            </a:extLst>
+          </p:cNvPr>
+          <p:cNvSpPr/>
+          <p:nvPr/>
+        </p:nvSpPr>
+        <p:spPr>
+          <a:xfrm>
+            <a:off x="5542704" y="3298779"/>
+            <a:ext cx="521746" cy="521746"/>
+          </a:xfrm>
+          <a:prstGeom prst="ellipse">
+            <a:avLst/>
+          </a:prstGeom>
+          <a:solidFill>
+            <a:schemeClr val="bg1"/>
+          </a:solidFill>
+          <a:ln>
+            <a:solidFill>
+              <a:schemeClr val="tx1"/>
+            </a:solidFill>
+          </a:ln>
+        </p:spPr>
+        <p:style>
+          <a:lnRef idx="2">
+            <a:schemeClr val="accent1">
+              <a:shade val="50000"/>
+            </a:schemeClr>
+          </a:lnRef>
+          <a:fillRef idx="1">
+            <a:schemeClr val="accent1"/>
+          </a:fillRef>
+          <a:effectRef idx="0">
+            <a:schemeClr val="accent1"/>
+          </a:effectRef>
+          <a:fontRef idx="minor">
+            <a:schemeClr val="lt1"/>
+          </a:fontRef>
+        </p:style>
+        <p:txBody>
+          <a:bodyPr rtlCol="0" anchor="ctr"/>
+          <a:lstStyle/>
+          <a:p>
+            <a:pPr algn="ctr"/>
+            <a:r>
+              <a:rPr lang="en-US" dirty="0">
+                <a:solidFill>
+                  <a:schemeClr val="tx1"/>
+                </a:solidFill>
+              </a:rPr>
+              <a:t>5</a:t>
+            </a:r>
+          </a:p>
+        </p:txBody>
+      </p:sp>
+      <p:sp>
+        <p:nvSpPr>
+          <p:cNvPr id="8" name="Oval 7">
+            <a:extLst>
+              <a:ext uri="{FF2B5EF4-FFF2-40B4-BE49-F238E27FC236}">
+                <a16:creationId xmlns:a16="http://schemas.microsoft.com/office/drawing/2014/main" id="{4C0CE6DD-D6C9-48CC-B935-7C0F979AC4DB}"/>
+              </a:ext>
+            </a:extLst>
+          </p:cNvPr>
+          <p:cNvSpPr/>
+          <p:nvPr/>
+        </p:nvSpPr>
+        <p:spPr>
+          <a:xfrm>
+            <a:off x="5551803" y="4089829"/>
+            <a:ext cx="521746" cy="521746"/>
+          </a:xfrm>
+          <a:prstGeom prst="ellipse">
+            <a:avLst/>
+          </a:prstGeom>
+          <a:solidFill>
+            <a:schemeClr val="bg1"/>
+          </a:solidFill>
+          <a:ln>
+            <a:solidFill>
+              <a:schemeClr val="tx1"/>
+            </a:solidFill>
+          </a:ln>
+        </p:spPr>
+        <p:style>
+          <a:lnRef idx="2">
+            <a:schemeClr val="accent1">
+              <a:shade val="50000"/>
+            </a:schemeClr>
+          </a:lnRef>
+          <a:fillRef idx="1">
+            <a:schemeClr val="accent1"/>
+          </a:fillRef>
+          <a:effectRef idx="0">
+            <a:schemeClr val="accent1"/>
+          </a:effectRef>
+          <a:fontRef idx="minor">
+            <a:schemeClr val="lt1"/>
+          </a:fontRef>
+        </p:style>
+        <p:txBody>
+          <a:bodyPr rtlCol="0" anchor="ctr"/>
+          <a:lstStyle/>
+          <a:p>
+            <a:pPr algn="ctr"/>
+            <a:r>
+              <a:rPr lang="en-US" dirty="0">
+                <a:solidFill>
+                  <a:schemeClr val="tx1"/>
+                </a:solidFill>
+              </a:rPr>
+              <a:t>6</a:t>
+            </a:r>
+          </a:p>
+        </p:txBody>
+      </p:sp>
+      <p:sp>
+        <p:nvSpPr>
+          <p:cNvPr id="9" name="Freeform: Shape 8">
+            <a:extLst>
+              <a:ext uri="{FF2B5EF4-FFF2-40B4-BE49-F238E27FC236}">
+                <a16:creationId xmlns:a16="http://schemas.microsoft.com/office/drawing/2014/main" id="{433878FD-543B-434C-A54D-797D3601E4A3}"/>
+              </a:ext>
+            </a:extLst>
+          </p:cNvPr>
+          <p:cNvSpPr/>
+          <p:nvPr/>
+        </p:nvSpPr>
+        <p:spPr>
+          <a:xfrm>
+            <a:off x="2702257" y="1992573"/>
+            <a:ext cx="1201003" cy="818866"/>
+          </a:xfrm>
+          <a:custGeom>
+            <a:avLst/>
+            <a:gdLst>
+              <a:gd name="connsiteX0" fmla="*/ 0 w 1201003"/>
+              <a:gd name="connsiteY0" fmla="*/ 914400 h 914400"/>
+              <a:gd name="connsiteX1" fmla="*/ 641444 w 1201003"/>
+              <a:gd name="connsiteY1" fmla="*/ 300251 h 914400"/>
+              <a:gd name="connsiteX2" fmla="*/ 1201003 w 1201003"/>
+              <a:gd name="connsiteY2" fmla="*/ 0 h 914400"/>
+            </a:gdLst>
+            <a:ahLst/>
+            <a:cxnLst>
+              <a:cxn ang="0">
+                <a:pos x="connsiteX0" y="connsiteY0"/>
+              </a:cxn>
+              <a:cxn ang="0">
+                <a:pos x="connsiteX1" y="connsiteY1"/>
+              </a:cxn>
+              <a:cxn ang="0">
+                <a:pos x="connsiteX2" y="connsiteY2"/>
+              </a:cxn>
+            </a:cxnLst>
+            <a:rect l="l" t="t" r="r" b="b"/>
+            <a:pathLst>
+              <a:path w="1201003" h="914400">
+                <a:moveTo>
+                  <a:pt x="0" y="914400"/>
+                </a:moveTo>
+                <a:cubicBezTo>
+                  <a:pt x="220638" y="683525"/>
+                  <a:pt x="441277" y="452651"/>
+                  <a:pt x="641444" y="300251"/>
+                </a:cubicBezTo>
+                <a:cubicBezTo>
+                  <a:pt x="841611" y="147851"/>
+                  <a:pt x="1021307" y="73925"/>
+                  <a:pt x="1201003" y="0"/>
+                </a:cubicBezTo>
+              </a:path>
+            </a:pathLst>
+          </a:custGeom>
+          <a:noFill/>
+          <a:ln w="6350">
+            <a:solidFill>
+              <a:schemeClr val="tx1"/>
+            </a:solidFill>
+            <a:tailEnd type="arrow" w="lg" len="lg"/>
+          </a:ln>
+        </p:spPr>
+        <p:style>
+          <a:lnRef idx="2">
+            <a:schemeClr val="accent1">
+              <a:shade val="50000"/>
+            </a:schemeClr>
+          </a:lnRef>
+          <a:fillRef idx="1">
+            <a:schemeClr val="accent1"/>
+          </a:fillRef>
+          <a:effectRef idx="0">
+            <a:schemeClr val="accent1"/>
+          </a:effectRef>
+          <a:fontRef idx="minor">
+            <a:schemeClr val="lt1"/>
+          </a:fontRef>
+        </p:style>
+        <p:txBody>
+          <a:bodyPr rtlCol="0" anchor="ctr"/>
+          <a:lstStyle/>
+          <a:p>
+            <a:pPr algn="ctr"/>
+            <a:endParaRPr lang="en-US"/>
+          </a:p>
+        </p:txBody>
+      </p:sp>
+      <p:sp>
+        <p:nvSpPr>
+          <p:cNvPr id="10" name="Freeform: Shape 9">
+            <a:extLst>
+              <a:ext uri="{FF2B5EF4-FFF2-40B4-BE49-F238E27FC236}">
+                <a16:creationId xmlns:a16="http://schemas.microsoft.com/office/drawing/2014/main" id="{ACEF50C0-D422-4FEC-93D9-CE8018D4A3EA}"/>
+              </a:ext>
+            </a:extLst>
+          </p:cNvPr>
+          <p:cNvSpPr/>
+          <p:nvPr/>
+        </p:nvSpPr>
+        <p:spPr>
+          <a:xfrm flipV="1">
+            <a:off x="2702257" y="3166280"/>
+            <a:ext cx="1201003" cy="750395"/>
+          </a:xfrm>
+          <a:custGeom>
+            <a:avLst/>
+            <a:gdLst>
+              <a:gd name="connsiteX0" fmla="*/ 0 w 1201003"/>
+              <a:gd name="connsiteY0" fmla="*/ 914400 h 914400"/>
+              <a:gd name="connsiteX1" fmla="*/ 641444 w 1201003"/>
+              <a:gd name="connsiteY1" fmla="*/ 300251 h 914400"/>
+              <a:gd name="connsiteX2" fmla="*/ 1201003 w 1201003"/>
+              <a:gd name="connsiteY2" fmla="*/ 0 h 914400"/>
+            </a:gdLst>
+            <a:ahLst/>
+            <a:cxnLst>
+              <a:cxn ang="0">
+                <a:pos x="connsiteX0" y="connsiteY0"/>
+              </a:cxn>
+              <a:cxn ang="0">
+                <a:pos x="connsiteX1" y="connsiteY1"/>
+              </a:cxn>
+              <a:cxn ang="0">
+                <a:pos x="connsiteX2" y="connsiteY2"/>
+              </a:cxn>
+            </a:cxnLst>
+            <a:rect l="l" t="t" r="r" b="b"/>
+            <a:pathLst>
+              <a:path w="1201003" h="914400">
+                <a:moveTo>
+                  <a:pt x="0" y="914400"/>
+                </a:moveTo>
+                <a:cubicBezTo>
+                  <a:pt x="220638" y="683525"/>
+                  <a:pt x="441277" y="452651"/>
+                  <a:pt x="641444" y="300251"/>
+                </a:cubicBezTo>
+                <a:cubicBezTo>
+                  <a:pt x="841611" y="147851"/>
+                  <a:pt x="1021307" y="73925"/>
+                  <a:pt x="1201003" y="0"/>
+                </a:cubicBezTo>
+              </a:path>
+            </a:pathLst>
+          </a:custGeom>
+          <a:noFill/>
+          <a:ln w="6350">
+            <a:solidFill>
+              <a:schemeClr val="tx1"/>
+            </a:solidFill>
+            <a:tailEnd type="arrow" w="lg" len="lg"/>
+          </a:ln>
+        </p:spPr>
+        <p:style>
+          <a:lnRef idx="2">
+            <a:schemeClr val="accent1">
+              <a:shade val="50000"/>
+            </a:schemeClr>
+          </a:lnRef>
+          <a:fillRef idx="1">
+            <a:schemeClr val="accent1"/>
+          </a:fillRef>
+          <a:effectRef idx="0">
+            <a:schemeClr val="accent1"/>
+          </a:effectRef>
+          <a:fontRef idx="minor">
+            <a:schemeClr val="lt1"/>
+          </a:fontRef>
+        </p:style>
+        <p:txBody>
+          <a:bodyPr rtlCol="0" anchor="ctr"/>
+          <a:lstStyle/>
+          <a:p>
+            <a:pPr algn="ctr"/>
+            <a:endParaRPr lang="en-US"/>
+          </a:p>
+        </p:txBody>
+      </p:sp>
+      <p:sp>
+        <p:nvSpPr>
+          <p:cNvPr id="2" name="Oval 1">
+            <a:extLst>
+              <a:ext uri="{FF2B5EF4-FFF2-40B4-BE49-F238E27FC236}">
+                <a16:creationId xmlns:a16="http://schemas.microsoft.com/office/drawing/2014/main" id="{A1C6DEA1-023F-407C-990F-EC09119C87D9}"/>
+              </a:ext>
+            </a:extLst>
+          </p:cNvPr>
+          <p:cNvSpPr/>
+          <p:nvPr/>
+        </p:nvSpPr>
+        <p:spPr>
+          <a:xfrm>
+            <a:off x="2258057" y="2702690"/>
+            <a:ext cx="521746" cy="521746"/>
+          </a:xfrm>
+          <a:prstGeom prst="ellipse">
+            <a:avLst/>
+          </a:prstGeom>
+          <a:solidFill>
+            <a:schemeClr val="bg1"/>
+          </a:solidFill>
+          <a:ln>
+            <a:solidFill>
+              <a:schemeClr val="tx1"/>
+            </a:solidFill>
+          </a:ln>
+        </p:spPr>
+        <p:style>
+          <a:lnRef idx="2">
+            <a:schemeClr val="accent1">
+              <a:shade val="50000"/>
+            </a:schemeClr>
+          </a:lnRef>
+          <a:fillRef idx="1">
+            <a:schemeClr val="accent1"/>
+          </a:fillRef>
+          <a:effectRef idx="0">
+            <a:schemeClr val="accent1"/>
+          </a:effectRef>
+          <a:fontRef idx="minor">
+            <a:schemeClr val="lt1"/>
+          </a:fontRef>
+        </p:style>
+        <p:txBody>
+          <a:bodyPr rtlCol="0" anchor="ctr"/>
+          <a:lstStyle/>
+          <a:p>
+            <a:pPr algn="ctr"/>
+            <a:r>
+              <a:rPr lang="en-US" dirty="0">
+                <a:solidFill>
+                  <a:schemeClr val="tx1"/>
+                </a:solidFill>
+              </a:rPr>
+              <a:t>4</a:t>
+            </a:r>
+          </a:p>
+        </p:txBody>
+      </p:sp>
+      <p:cxnSp>
+        <p:nvCxnSpPr>
+          <p:cNvPr id="12" name="Straight Arrow Connector 11">
+            <a:extLst>
+              <a:ext uri="{FF2B5EF4-FFF2-40B4-BE49-F238E27FC236}">
+                <a16:creationId xmlns:a16="http://schemas.microsoft.com/office/drawing/2014/main" id="{1E184EAC-E6D1-43EF-806C-04F2763B2ECD}"/>
+              </a:ext>
+            </a:extLst>
+          </p:cNvPr>
+          <p:cNvCxnSpPr>
+            <a:stCxn id="3" idx="3"/>
+            <a:endCxn id="5" idx="2"/>
+          </p:cNvCxnSpPr>
+          <p:nvPr/>
+        </p:nvCxnSpPr>
+        <p:spPr>
+          <a:xfrm flipV="1">
+            <a:off x="4428950" y="1616690"/>
+            <a:ext cx="1113754" cy="364321"/>
+          </a:xfrm>
+          <a:prstGeom prst="straightConnector1">
+            <a:avLst/>
+          </a:prstGeom>
+          <a:ln>
+            <a:solidFill>
+              <a:schemeClr val="tx1"/>
+            </a:solidFill>
+            <a:tailEnd type="arrow" w="lg" len="lg"/>
+          </a:ln>
+        </p:spPr>
+        <p:style>
+          <a:lnRef idx="1">
+            <a:schemeClr val="accent1"/>
+          </a:lnRef>
+          <a:fillRef idx="0">
+            <a:schemeClr val="accent1"/>
+          </a:fillRef>
+          <a:effectRef idx="0">
+            <a:schemeClr val="accent1"/>
+          </a:effectRef>
+          <a:fontRef idx="minor">
+            <a:schemeClr val="tx1"/>
+          </a:fontRef>
+        </p:style>
+      </p:cxnSp>
+      <p:cxnSp>
+        <p:nvCxnSpPr>
+          <p:cNvPr id="13" name="Straight Arrow Connector 12">
+            <a:extLst>
+              <a:ext uri="{FF2B5EF4-FFF2-40B4-BE49-F238E27FC236}">
+                <a16:creationId xmlns:a16="http://schemas.microsoft.com/office/drawing/2014/main" id="{9403D937-6A40-498C-9F9B-E6E229F0E2A9}"/>
+              </a:ext>
+            </a:extLst>
+          </p:cNvPr>
+          <p:cNvCxnSpPr>
+            <a:cxnSpLocks/>
+            <a:stCxn id="3" idx="3"/>
+            <a:endCxn id="6" idx="2"/>
+          </p:cNvCxnSpPr>
+          <p:nvPr/>
+        </p:nvCxnSpPr>
+        <p:spPr>
+          <a:xfrm>
+            <a:off x="4428950" y="1981011"/>
+            <a:ext cx="1122853" cy="426729"/>
+          </a:xfrm>
+          <a:prstGeom prst="straightConnector1">
+            <a:avLst/>
+          </a:prstGeom>
+          <a:ln>
+            <a:solidFill>
+              <a:schemeClr val="tx1"/>
+            </a:solidFill>
+            <a:tailEnd type="arrow" w="lg" len="lg"/>
+          </a:ln>
+        </p:spPr>
+        <p:style>
+          <a:lnRef idx="1">
+            <a:schemeClr val="accent1"/>
+          </a:lnRef>
+          <a:fillRef idx="0">
+            <a:schemeClr val="accent1"/>
+          </a:fillRef>
+          <a:effectRef idx="0">
+            <a:schemeClr val="accent1"/>
+          </a:effectRef>
+          <a:fontRef idx="minor">
+            <a:schemeClr val="tx1"/>
+          </a:fontRef>
+        </p:style>
+      </p:cxnSp>
+      <p:cxnSp>
+        <p:nvCxnSpPr>
+          <p:cNvPr id="16" name="Straight Arrow Connector 15">
+            <a:extLst>
+              <a:ext uri="{FF2B5EF4-FFF2-40B4-BE49-F238E27FC236}">
+                <a16:creationId xmlns:a16="http://schemas.microsoft.com/office/drawing/2014/main" id="{FF59EB25-DEA1-4228-8436-D5DEC1400942}"/>
+              </a:ext>
+            </a:extLst>
+          </p:cNvPr>
+          <p:cNvCxnSpPr>
+            <a:cxnSpLocks/>
+            <a:stCxn id="4" idx="3"/>
+            <a:endCxn id="7" idx="2"/>
+          </p:cNvCxnSpPr>
+          <p:nvPr/>
+        </p:nvCxnSpPr>
+        <p:spPr>
+          <a:xfrm flipV="1">
+            <a:off x="4428950" y="3559652"/>
+            <a:ext cx="1113754" cy="342523"/>
+          </a:xfrm>
+          <a:prstGeom prst="straightConnector1">
+            <a:avLst/>
+          </a:prstGeom>
+          <a:ln>
+            <a:solidFill>
+              <a:schemeClr val="tx1"/>
+            </a:solidFill>
+            <a:tailEnd type="arrow" w="lg" len="lg"/>
+          </a:ln>
+        </p:spPr>
+        <p:style>
+          <a:lnRef idx="1">
+            <a:schemeClr val="accent1"/>
+          </a:lnRef>
+          <a:fillRef idx="0">
+            <a:schemeClr val="accent1"/>
+          </a:fillRef>
+          <a:effectRef idx="0">
+            <a:schemeClr val="accent1"/>
+          </a:effectRef>
+          <a:fontRef idx="minor">
+            <a:schemeClr val="tx1"/>
+          </a:fontRef>
+        </p:style>
+      </p:cxnSp>
+      <p:cxnSp>
+        <p:nvCxnSpPr>
+          <p:cNvPr id="17" name="Straight Arrow Connector 16">
+            <a:extLst>
+              <a:ext uri="{FF2B5EF4-FFF2-40B4-BE49-F238E27FC236}">
+                <a16:creationId xmlns:a16="http://schemas.microsoft.com/office/drawing/2014/main" id="{60D2ADC2-7F55-4964-A360-71C7A25FD2D6}"/>
+              </a:ext>
+            </a:extLst>
+          </p:cNvPr>
+          <p:cNvCxnSpPr>
+            <a:cxnSpLocks/>
+            <a:stCxn id="4" idx="3"/>
+            <a:endCxn id="8" idx="2"/>
+          </p:cNvCxnSpPr>
+          <p:nvPr/>
+        </p:nvCxnSpPr>
+        <p:spPr>
+          <a:xfrm>
+            <a:off x="4428950" y="3902175"/>
+            <a:ext cx="1122853" cy="448527"/>
+          </a:xfrm>
+          <a:prstGeom prst="straightConnector1">
+            <a:avLst/>
+          </a:prstGeom>
+          <a:ln>
+            <a:solidFill>
+              <a:schemeClr val="tx1"/>
+            </a:solidFill>
+            <a:tailEnd type="arrow" w="lg" len="lg"/>
+          </a:ln>
+        </p:spPr>
+        <p:style>
+          <a:lnRef idx="1">
+            <a:schemeClr val="accent1"/>
+          </a:lnRef>
+          <a:fillRef idx="0">
+            <a:schemeClr val="accent1"/>
+          </a:fillRef>
+          <a:effectRef idx="0">
+            <a:schemeClr val="accent1"/>
+          </a:effectRef>
+          <a:fontRef idx="minor">
+            <a:schemeClr val="tx1"/>
+          </a:fontRef>
+        </p:style>
+      </p:cxnSp>
+      <p:sp>
+        <p:nvSpPr>
+          <p:cNvPr id="22" name="TextBox 21">
+            <a:extLst>
+              <a:ext uri="{FF2B5EF4-FFF2-40B4-BE49-F238E27FC236}">
+                <a16:creationId xmlns:a16="http://schemas.microsoft.com/office/drawing/2014/main" id="{0CFD2AE5-FDE1-42A6-8F3C-C39CDFFC4E6B}"/>
+              </a:ext>
+            </a:extLst>
+          </p:cNvPr>
+          <p:cNvSpPr txBox="1"/>
+          <p:nvPr/>
+        </p:nvSpPr>
+        <p:spPr>
+          <a:xfrm>
+            <a:off x="3037562" y="2009709"/>
+            <a:ext cx="301686" cy="369332"/>
+          </a:xfrm>
+          <a:prstGeom prst="rect">
+            <a:avLst/>
+          </a:prstGeom>
+          <a:noFill/>
+        </p:spPr>
+        <p:txBody>
+          <a:bodyPr wrap="none" rtlCol="0">
+            <a:spAutoFit/>
+          </a:bodyPr>
+          <a:lstStyle/>
+          <a:p>
+            <a:r>
+              <a:rPr lang="en-US" dirty="0"/>
+              <a:t>1</a:t>
+            </a:r>
+          </a:p>
+        </p:txBody>
+      </p:sp>
+      <p:sp>
+        <p:nvSpPr>
+          <p:cNvPr id="23" name="TextBox 22">
+            <a:extLst>
+              <a:ext uri="{FF2B5EF4-FFF2-40B4-BE49-F238E27FC236}">
+                <a16:creationId xmlns:a16="http://schemas.microsoft.com/office/drawing/2014/main" id="{01F0394E-43BB-476A-AAF7-55C052464280}"/>
+              </a:ext>
+            </a:extLst>
+          </p:cNvPr>
+          <p:cNvSpPr txBox="1"/>
+          <p:nvPr/>
+        </p:nvSpPr>
+        <p:spPr>
+          <a:xfrm>
+            <a:off x="2966754" y="3570935"/>
+            <a:ext cx="418704" cy="369332"/>
+          </a:xfrm>
+          <a:prstGeom prst="rect">
+            <a:avLst/>
+          </a:prstGeom>
+          <a:noFill/>
+        </p:spPr>
+        <p:txBody>
+          <a:bodyPr wrap="square" rtlCol="0">
+            <a:spAutoFit/>
+          </a:bodyPr>
+          <a:lstStyle/>
+          <a:p>
+            <a:r>
+              <a:rPr lang="en-US" dirty="0"/>
+              <a:t>10</a:t>
+            </a:r>
+          </a:p>
+        </p:txBody>
+      </p:sp>
+      <p:sp>
+        <p:nvSpPr>
+          <p:cNvPr id="24" name="TextBox 23">
+            <a:extLst>
+              <a:ext uri="{FF2B5EF4-FFF2-40B4-BE49-F238E27FC236}">
+                <a16:creationId xmlns:a16="http://schemas.microsoft.com/office/drawing/2014/main" id="{8AB438E2-6272-4CE2-B6A5-9BD4C52D55C5}"/>
+              </a:ext>
+            </a:extLst>
+          </p:cNvPr>
+          <p:cNvSpPr txBox="1"/>
+          <p:nvPr/>
+        </p:nvSpPr>
+        <p:spPr>
+          <a:xfrm>
+            <a:off x="4776475" y="1484058"/>
+            <a:ext cx="418704" cy="369332"/>
+          </a:xfrm>
+          <a:prstGeom prst="rect">
+            <a:avLst/>
+          </a:prstGeom>
+          <a:noFill/>
+        </p:spPr>
+        <p:txBody>
+          <a:bodyPr wrap="square" rtlCol="0">
+            <a:spAutoFit/>
+          </a:bodyPr>
+          <a:lstStyle/>
+          <a:p>
+            <a:r>
+              <a:rPr lang="en-US" dirty="0"/>
+              <a:t>0</a:t>
+            </a:r>
+          </a:p>
+        </p:txBody>
+      </p:sp>
+      <p:sp>
+        <p:nvSpPr>
+          <p:cNvPr id="25" name="TextBox 24">
+            <a:extLst>
+              <a:ext uri="{FF2B5EF4-FFF2-40B4-BE49-F238E27FC236}">
+                <a16:creationId xmlns:a16="http://schemas.microsoft.com/office/drawing/2014/main" id="{793BB5AD-1A1A-4FF3-BD33-D582E8F1DEBB}"/>
+              </a:ext>
+            </a:extLst>
+          </p:cNvPr>
+          <p:cNvSpPr txBox="1"/>
+          <p:nvPr/>
+        </p:nvSpPr>
+        <p:spPr>
+          <a:xfrm>
+            <a:off x="4776475" y="2120545"/>
+            <a:ext cx="418704" cy="369332"/>
+          </a:xfrm>
+          <a:prstGeom prst="rect">
+            <a:avLst/>
+          </a:prstGeom>
+          <a:noFill/>
+        </p:spPr>
+        <p:txBody>
+          <a:bodyPr wrap="square" rtlCol="0">
+            <a:spAutoFit/>
+          </a:bodyPr>
+          <a:lstStyle/>
+          <a:p>
+            <a:r>
+              <a:rPr lang="en-US" dirty="0"/>
+              <a:t>0</a:t>
+            </a:r>
+          </a:p>
+        </p:txBody>
+      </p:sp>
+      <p:sp>
+        <p:nvSpPr>
+          <p:cNvPr id="26" name="TextBox 25">
+            <a:extLst>
+              <a:ext uri="{FF2B5EF4-FFF2-40B4-BE49-F238E27FC236}">
+                <a16:creationId xmlns:a16="http://schemas.microsoft.com/office/drawing/2014/main" id="{C45AFF86-7835-43B2-ACBD-1CB9A85E7070}"/>
+              </a:ext>
+            </a:extLst>
+          </p:cNvPr>
+          <p:cNvSpPr txBox="1"/>
+          <p:nvPr/>
+        </p:nvSpPr>
+        <p:spPr>
+          <a:xfrm>
+            <a:off x="4776475" y="3396575"/>
+            <a:ext cx="418704" cy="369332"/>
+          </a:xfrm>
+          <a:prstGeom prst="rect">
+            <a:avLst/>
+          </a:prstGeom>
+          <a:noFill/>
+        </p:spPr>
+        <p:txBody>
+          <a:bodyPr wrap="square" rtlCol="0">
+            <a:spAutoFit/>
+          </a:bodyPr>
+          <a:lstStyle/>
+          <a:p>
+            <a:r>
+              <a:rPr lang="en-US" dirty="0"/>
+              <a:t>0</a:t>
+            </a:r>
+          </a:p>
+        </p:txBody>
+      </p:sp>
+      <p:sp>
+        <p:nvSpPr>
+          <p:cNvPr id="27" name="TextBox 26">
+            <a:extLst>
+              <a:ext uri="{FF2B5EF4-FFF2-40B4-BE49-F238E27FC236}">
+                <a16:creationId xmlns:a16="http://schemas.microsoft.com/office/drawing/2014/main" id="{E3F9B718-1268-4ABE-9396-FB93F8BFD98C}"/>
+              </a:ext>
+            </a:extLst>
+          </p:cNvPr>
+          <p:cNvSpPr txBox="1"/>
+          <p:nvPr/>
+        </p:nvSpPr>
+        <p:spPr>
+          <a:xfrm>
+            <a:off x="4776475" y="4033062"/>
+            <a:ext cx="418704" cy="369332"/>
+          </a:xfrm>
+          <a:prstGeom prst="rect">
+            <a:avLst/>
+          </a:prstGeom>
+          <a:noFill/>
+        </p:spPr>
+        <p:txBody>
+          <a:bodyPr wrap="square" rtlCol="0">
+            <a:spAutoFit/>
+          </a:bodyPr>
+          <a:lstStyle/>
+          <a:p>
+            <a:r>
+              <a:rPr lang="en-US" dirty="0"/>
+              <a:t>0</a:t>
+            </a:r>
+          </a:p>
+        </p:txBody>
+      </p:sp>
+      <p:sp>
+        <p:nvSpPr>
+          <p:cNvPr id="28" name="Oval 27">
+            <a:extLst>
+              <a:ext uri="{FF2B5EF4-FFF2-40B4-BE49-F238E27FC236}">
+                <a16:creationId xmlns:a16="http://schemas.microsoft.com/office/drawing/2014/main" id="{F367BD41-B5BE-4DA1-8B64-7F0DC0897445}"/>
+              </a:ext>
+            </a:extLst>
+          </p:cNvPr>
+          <p:cNvSpPr/>
+          <p:nvPr/>
+        </p:nvSpPr>
+        <p:spPr>
+          <a:xfrm>
+            <a:off x="2258057" y="4999575"/>
+            <a:ext cx="521746" cy="521746"/>
+          </a:xfrm>
+          <a:prstGeom prst="ellipse">
+            <a:avLst/>
+          </a:prstGeom>
+          <a:solidFill>
+            <a:schemeClr val="bg1"/>
+          </a:solidFill>
+          <a:ln>
+            <a:solidFill>
+              <a:schemeClr val="tx1"/>
+            </a:solidFill>
+          </a:ln>
+        </p:spPr>
+        <p:style>
+          <a:lnRef idx="2">
+            <a:schemeClr val="accent1">
+              <a:shade val="50000"/>
+            </a:schemeClr>
+          </a:lnRef>
+          <a:fillRef idx="1">
+            <a:schemeClr val="accent1"/>
+          </a:fillRef>
+          <a:effectRef idx="0">
+            <a:schemeClr val="accent1"/>
+          </a:effectRef>
+          <a:fontRef idx="minor">
+            <a:schemeClr val="lt1"/>
+          </a:fontRef>
+        </p:style>
+        <p:txBody>
+          <a:bodyPr rtlCol="0" anchor="ctr"/>
+          <a:lstStyle/>
+          <a:p>
+            <a:pPr algn="ctr"/>
+            <a:r>
+              <a:rPr lang="en-US" dirty="0">
+                <a:solidFill>
+                  <a:schemeClr val="tx1"/>
+                </a:solidFill>
+              </a:rPr>
+              <a:t>2</a:t>
+            </a:r>
+          </a:p>
+        </p:txBody>
+      </p:sp>
+      <p:sp>
+        <p:nvSpPr>
+          <p:cNvPr id="29" name="Rectangle 28">
+            <a:extLst>
+              <a:ext uri="{FF2B5EF4-FFF2-40B4-BE49-F238E27FC236}">
+                <a16:creationId xmlns:a16="http://schemas.microsoft.com/office/drawing/2014/main" id="{836B8A6F-DD2B-43D2-88ED-920B5F26F09B}"/>
+              </a:ext>
+            </a:extLst>
+          </p:cNvPr>
+          <p:cNvSpPr/>
+          <p:nvPr/>
+        </p:nvSpPr>
+        <p:spPr>
+          <a:xfrm>
+            <a:off x="3902226" y="5003256"/>
+            <a:ext cx="521746" cy="521746"/>
+          </a:xfrm>
+          <a:prstGeom prst="rect">
+            <a:avLst/>
+          </a:prstGeom>
+          <a:solidFill>
+            <a:schemeClr val="bg1"/>
+          </a:solidFill>
+          <a:ln>
+            <a:solidFill>
+              <a:schemeClr val="tx1"/>
+            </a:solidFill>
+          </a:ln>
+        </p:spPr>
+        <p:style>
+          <a:lnRef idx="2">
+            <a:schemeClr val="accent1">
+              <a:shade val="50000"/>
+            </a:schemeClr>
+          </a:lnRef>
+          <a:fillRef idx="1">
+            <a:schemeClr val="accent1"/>
+          </a:fillRef>
+          <a:effectRef idx="0">
+            <a:schemeClr val="accent1"/>
+          </a:effectRef>
+          <a:fontRef idx="minor">
+            <a:schemeClr val="lt1"/>
+          </a:fontRef>
+        </p:style>
+        <p:txBody>
+          <a:bodyPr rtlCol="0" anchor="ctr"/>
+          <a:lstStyle/>
+          <a:p>
+            <a:pPr algn="ctr"/>
+            <a:r>
+              <a:rPr lang="en-US" dirty="0">
+                <a:solidFill>
+                  <a:schemeClr val="tx1"/>
+                </a:solidFill>
+              </a:rPr>
+              <a:t>3</a:t>
+            </a:r>
+          </a:p>
+        </p:txBody>
+      </p:sp>
+      <p:sp>
+        <p:nvSpPr>
+          <p:cNvPr id="30" name="Oval 29">
+            <a:extLst>
+              <a:ext uri="{FF2B5EF4-FFF2-40B4-BE49-F238E27FC236}">
+                <a16:creationId xmlns:a16="http://schemas.microsoft.com/office/drawing/2014/main" id="{3C03C5CD-2578-40D7-9CDA-4568ADB5F52A}"/>
+              </a:ext>
+            </a:extLst>
+          </p:cNvPr>
+          <p:cNvSpPr/>
+          <p:nvPr/>
+        </p:nvSpPr>
+        <p:spPr>
+          <a:xfrm>
+            <a:off x="5542704" y="4999575"/>
+            <a:ext cx="521746" cy="521746"/>
+          </a:xfrm>
+          <a:prstGeom prst="ellipse">
+            <a:avLst/>
+          </a:prstGeom>
+          <a:solidFill>
+            <a:schemeClr val="bg1"/>
+          </a:solidFill>
+          <a:ln>
+            <a:solidFill>
+              <a:schemeClr val="tx1"/>
+            </a:solidFill>
+          </a:ln>
+        </p:spPr>
+        <p:style>
+          <a:lnRef idx="2">
+            <a:schemeClr val="accent1">
+              <a:shade val="50000"/>
+            </a:schemeClr>
+          </a:lnRef>
+          <a:fillRef idx="1">
+            <a:schemeClr val="accent1"/>
+          </a:fillRef>
+          <a:effectRef idx="0">
+            <a:schemeClr val="accent1"/>
+          </a:effectRef>
+          <a:fontRef idx="minor">
+            <a:schemeClr val="lt1"/>
+          </a:fontRef>
+        </p:style>
+        <p:txBody>
+          <a:bodyPr rtlCol="0" anchor="ctr"/>
+          <a:lstStyle/>
+          <a:p>
+            <a:pPr algn="ctr"/>
+            <a:r>
+              <a:rPr lang="en-US" dirty="0">
+                <a:solidFill>
+                  <a:schemeClr val="tx1"/>
+                </a:solidFill>
+              </a:rPr>
+              <a:t>7</a:t>
+            </a:r>
+          </a:p>
+        </p:txBody>
+      </p:sp>
+      <p:cxnSp>
+        <p:nvCxnSpPr>
+          <p:cNvPr id="31" name="Straight Arrow Connector 30">
+            <a:extLst>
+              <a:ext uri="{FF2B5EF4-FFF2-40B4-BE49-F238E27FC236}">
+                <a16:creationId xmlns:a16="http://schemas.microsoft.com/office/drawing/2014/main" id="{E2DE2324-4BE2-49C5-BEF9-899D662C8C8C}"/>
+              </a:ext>
+            </a:extLst>
+          </p:cNvPr>
+          <p:cNvCxnSpPr>
+            <a:cxnSpLocks/>
+            <a:stCxn id="29" idx="3"/>
+            <a:endCxn id="30" idx="2"/>
+          </p:cNvCxnSpPr>
+          <p:nvPr/>
+        </p:nvCxnSpPr>
+        <p:spPr>
+          <a:xfrm flipV="1">
+            <a:off x="4423972" y="5260448"/>
+            <a:ext cx="1118732" cy="3681"/>
+          </a:xfrm>
+          <a:prstGeom prst="straightConnector1">
+            <a:avLst/>
+          </a:prstGeom>
+          <a:ln>
+            <a:solidFill>
+              <a:schemeClr val="tx1"/>
+            </a:solidFill>
+            <a:tailEnd type="arrow" w="lg" len="lg"/>
+          </a:ln>
+        </p:spPr>
+        <p:style>
+          <a:lnRef idx="1">
+            <a:schemeClr val="accent1"/>
+          </a:lnRef>
+          <a:fillRef idx="0">
+            <a:schemeClr val="accent1"/>
+          </a:fillRef>
+          <a:effectRef idx="0">
+            <a:schemeClr val="accent1"/>
+          </a:effectRef>
+          <a:fontRef idx="minor">
+            <a:schemeClr val="tx1"/>
+          </a:fontRef>
+        </p:style>
+      </p:cxnSp>
+      <p:cxnSp>
+        <p:nvCxnSpPr>
+          <p:cNvPr id="34" name="Straight Arrow Connector 33">
+            <a:extLst>
+              <a:ext uri="{FF2B5EF4-FFF2-40B4-BE49-F238E27FC236}">
+                <a16:creationId xmlns:a16="http://schemas.microsoft.com/office/drawing/2014/main" id="{52EEB34F-8429-408F-95AA-F2DEB4CFF66D}"/>
+              </a:ext>
+            </a:extLst>
+          </p:cNvPr>
+          <p:cNvCxnSpPr>
+            <a:cxnSpLocks/>
+            <a:stCxn id="28" idx="6"/>
+            <a:endCxn id="29" idx="1"/>
+          </p:cNvCxnSpPr>
+          <p:nvPr/>
+        </p:nvCxnSpPr>
+        <p:spPr>
+          <a:xfrm>
+            <a:off x="2779803" y="5260448"/>
+            <a:ext cx="1122423" cy="3681"/>
+          </a:xfrm>
+          <a:prstGeom prst="straightConnector1">
+            <a:avLst/>
+          </a:prstGeom>
+          <a:ln>
+            <a:solidFill>
+              <a:schemeClr val="tx1"/>
+            </a:solidFill>
+            <a:tailEnd type="arrow" w="lg" len="lg"/>
+          </a:ln>
+        </p:spPr>
+        <p:style>
+          <a:lnRef idx="1">
+            <a:schemeClr val="accent1"/>
+          </a:lnRef>
+          <a:fillRef idx="0">
+            <a:schemeClr val="accent1"/>
+          </a:fillRef>
+          <a:effectRef idx="0">
+            <a:schemeClr val="accent1"/>
+          </a:effectRef>
+          <a:fontRef idx="minor">
+            <a:schemeClr val="tx1"/>
+          </a:fontRef>
+        </p:style>
+      </p:cxnSp>
+    </p:spTree>
+    <p:extLst>
+      <p:ext uri="{BB962C8B-B14F-4D97-AF65-F5344CB8AC3E}">
+        <p14:creationId xmlns:p14="http://schemas.microsoft.com/office/powerpoint/2010/main" val="3004286334"/>
+      </p:ext>
+    </p:extLst>
+  </p:cSld>
+  <p:clrMapOvr>
+    <a:masterClrMapping/>
+  </p:clrMapOvr>
+</p:sld>
+</file>
+
+<file path=ppt/slides/slide2.xml><?xml version="1.0" encoding="utf-8"?>
+<p:sld xmlns:a="http://schemas.openxmlformats.org/drawingml/2006/main" xmlns:r="http://schemas.openxmlformats.org/officeDocument/2006/relationships" xmlns:p="http://schemas.openxmlformats.org/presentationml/2006/main">
+  <p:cSld>
+    <p:spTree>
+      <p:nvGrpSpPr>
+        <p:cNvPr id="1" name=""/>
+        <p:cNvGrpSpPr/>
+        <p:nvPr/>
+      </p:nvGrpSpPr>
+      <p:grpSpPr>
+        <a:xfrm>
+          <a:off x="0" y="0"/>
+          <a:ext cx="0" cy="0"/>
+          <a:chOff x="0" y="0"/>
+          <a:chExt cx="0" cy="0"/>
+        </a:xfrm>
+      </p:grpSpPr>
+      <mc:AlternateContent xmlns:mc="http://schemas.openxmlformats.org/markup-compatibility/2006" xmlns:a14="http://schemas.microsoft.com/office/drawing/2010/main">
+        <mc:Choice Requires="a14">
           <p:sp>
             <p:nvSpPr>
               <p:cNvPr id="2" name="Oval 1">
@@ -3400,7 +4713,7 @@
             </p:txBody>
           </p:sp>
         </mc:Choice>
-        <mc:Fallback>
+        <mc:Fallback xmlns="">
           <p:sp>
             <p:nvSpPr>
               <p:cNvPr id="2" name="Oval 1">
@@ -3450,8 +4763,8 @@
           </p:sp>
         </mc:Fallback>
       </mc:AlternateContent>
-      <mc:AlternateContent xmlns:mc="http://schemas.openxmlformats.org/markup-compatibility/2006">
-        <mc:Choice xmlns:a14="http://schemas.microsoft.com/office/drawing/2010/main" Requires="a14">
+      <mc:AlternateContent xmlns:mc="http://schemas.openxmlformats.org/markup-compatibility/2006" xmlns:a14="http://schemas.microsoft.com/office/drawing/2010/main">
+        <mc:Choice Requires="a14">
           <p:sp>
             <p:nvSpPr>
               <p:cNvPr id="3" name="Oval 2">
@@ -3529,7 +4842,7 @@
             </p:txBody>
           </p:sp>
         </mc:Choice>
-        <mc:Fallback>
+        <mc:Fallback xmlns="">
           <p:sp>
             <p:nvSpPr>
               <p:cNvPr id="3" name="Oval 2">
@@ -3621,8 +4934,8 @@
           </a:fontRef>
         </p:style>
       </p:cxnSp>
-      <mc:AlternateContent xmlns:mc="http://schemas.openxmlformats.org/markup-compatibility/2006">
-        <mc:Choice xmlns:a14="http://schemas.microsoft.com/office/drawing/2010/main" Requires="a14">
+      <mc:AlternateContent xmlns:mc="http://schemas.openxmlformats.org/markup-compatibility/2006" xmlns:a14="http://schemas.microsoft.com/office/drawing/2010/main">
+        <mc:Choice Requires="a14">
           <p:sp>
             <p:nvSpPr>
               <p:cNvPr id="6" name="Oval 5">
@@ -3700,7 +5013,7 @@
             </p:txBody>
           </p:sp>
         </mc:Choice>
-        <mc:Fallback>
+        <mc:Fallback xmlns="">
           <p:sp>
             <p:nvSpPr>
               <p:cNvPr id="6" name="Oval 5">
@@ -3750,8 +5063,8 @@
           </p:sp>
         </mc:Fallback>
       </mc:AlternateContent>
-      <mc:AlternateContent xmlns:mc="http://schemas.openxmlformats.org/markup-compatibility/2006">
-        <mc:Choice xmlns:a14="http://schemas.microsoft.com/office/drawing/2010/main" Requires="a14">
+      <mc:AlternateContent xmlns:mc="http://schemas.openxmlformats.org/markup-compatibility/2006" xmlns:a14="http://schemas.microsoft.com/office/drawing/2010/main">
+        <mc:Choice Requires="a14">
           <p:sp>
             <p:nvSpPr>
               <p:cNvPr id="7" name="Oval 6">
@@ -3829,7 +5142,7 @@
             </p:txBody>
           </p:sp>
         </mc:Choice>
-        <mc:Fallback>
+        <mc:Fallback xmlns="">
           <p:sp>
             <p:nvSpPr>
               <p:cNvPr id="7" name="Oval 6">
@@ -3967,8 +5280,8 @@
           </a:fontRef>
         </p:style>
       </p:cxnSp>
-      <mc:AlternateContent xmlns:mc="http://schemas.openxmlformats.org/markup-compatibility/2006">
-        <mc:Choice xmlns:a14="http://schemas.microsoft.com/office/drawing/2010/main" Requires="a14">
+      <mc:AlternateContent xmlns:mc="http://schemas.openxmlformats.org/markup-compatibility/2006" xmlns:a14="http://schemas.microsoft.com/office/drawing/2010/main">
+        <mc:Choice Requires="a14">
           <p:sp>
             <p:nvSpPr>
               <p:cNvPr id="14" name="TextBox 13">
@@ -3997,6 +5310,7 @@
               </a:bodyPr>
               <a:lstStyle/>
               <a:p>
+                <a:pPr/>
                 <a14:m>
                   <m:oMathPara xmlns:m="http://schemas.openxmlformats.org/officeDocument/2006/math">
                     <m:oMathParaPr>
@@ -4054,7 +5368,7 @@
             </p:txBody>
           </p:sp>
         </mc:Choice>
-        <mc:Fallback>
+        <mc:Fallback xmlns="">
           <p:sp>
             <p:nvSpPr>
               <p:cNvPr id="14" name="TextBox 13">
@@ -4099,8 +5413,8 @@
           </p:sp>
         </mc:Fallback>
       </mc:AlternateContent>
-      <mc:AlternateContent xmlns:mc="http://schemas.openxmlformats.org/markup-compatibility/2006">
-        <mc:Choice xmlns:a14="http://schemas.microsoft.com/office/drawing/2010/main" Requires="a14">
+      <mc:AlternateContent xmlns:mc="http://schemas.openxmlformats.org/markup-compatibility/2006" xmlns:a14="http://schemas.microsoft.com/office/drawing/2010/main">
+        <mc:Choice Requires="a14">
           <p:sp>
             <p:nvSpPr>
               <p:cNvPr id="15" name="TextBox 14">
@@ -4129,6 +5443,7 @@
               </a:bodyPr>
               <a:lstStyle/>
               <a:p>
+                <a:pPr/>
                 <a14:m>
                   <m:oMathPara xmlns:m="http://schemas.openxmlformats.org/officeDocument/2006/math">
                     <m:oMathParaPr>
@@ -4186,7 +5501,7 @@
             </p:txBody>
           </p:sp>
         </mc:Choice>
-        <mc:Fallback>
+        <mc:Fallback xmlns="">
           <p:sp>
             <p:nvSpPr>
               <p:cNvPr id="15" name="TextBox 14">
@@ -4231,8 +5546,8 @@
           </p:sp>
         </mc:Fallback>
       </mc:AlternateContent>
-      <mc:AlternateContent xmlns:mc="http://schemas.openxmlformats.org/markup-compatibility/2006">
-        <mc:Choice xmlns:a14="http://schemas.microsoft.com/office/drawing/2010/main" Requires="a14">
+      <mc:AlternateContent xmlns:mc="http://schemas.openxmlformats.org/markup-compatibility/2006" xmlns:a14="http://schemas.microsoft.com/office/drawing/2010/main">
+        <mc:Choice Requires="a14">
           <p:sp>
             <p:nvSpPr>
               <p:cNvPr id="16" name="TextBox 15">
@@ -4261,6 +5576,7 @@
               </a:bodyPr>
               <a:lstStyle/>
               <a:p>
+                <a:pPr/>
                 <a14:m>
                   <m:oMathPara xmlns:m="http://schemas.openxmlformats.org/officeDocument/2006/math">
                     <m:oMathParaPr>
@@ -4318,7 +5634,7 @@
             </p:txBody>
           </p:sp>
         </mc:Choice>
-        <mc:Fallback>
+        <mc:Fallback xmlns="">
           <p:sp>
             <p:nvSpPr>
               <p:cNvPr id="16" name="TextBox 15">
@@ -4363,8 +5679,8 @@
           </p:sp>
         </mc:Fallback>
       </mc:AlternateContent>
-      <mc:AlternateContent xmlns:mc="http://schemas.openxmlformats.org/markup-compatibility/2006">
-        <mc:Choice xmlns:a14="http://schemas.microsoft.com/office/drawing/2010/main" Requires="a14">
+      <mc:AlternateContent xmlns:mc="http://schemas.openxmlformats.org/markup-compatibility/2006" xmlns:a14="http://schemas.microsoft.com/office/drawing/2010/main">
+        <mc:Choice Requires="a14">
           <p:sp>
             <p:nvSpPr>
               <p:cNvPr id="18" name="Oval 17">
@@ -4442,7 +5758,7 @@
             </p:txBody>
           </p:sp>
         </mc:Choice>
-        <mc:Fallback>
+        <mc:Fallback xmlns="">
           <p:sp>
             <p:nvSpPr>
               <p:cNvPr id="18" name="Oval 17">
@@ -4492,8 +5808,8 @@
           </p:sp>
         </mc:Fallback>
       </mc:AlternateContent>
-      <mc:AlternateContent xmlns:mc="http://schemas.openxmlformats.org/markup-compatibility/2006">
-        <mc:Choice xmlns:a14="http://schemas.microsoft.com/office/drawing/2010/main" Requires="a14">
+      <mc:AlternateContent xmlns:mc="http://schemas.openxmlformats.org/markup-compatibility/2006" xmlns:a14="http://schemas.microsoft.com/office/drawing/2010/main">
+        <mc:Choice Requires="a14">
           <p:sp>
             <p:nvSpPr>
               <p:cNvPr id="19" name="Oval 18">
@@ -4571,7 +5887,7 @@
             </p:txBody>
           </p:sp>
         </mc:Choice>
-        <mc:Fallback>
+        <mc:Fallback xmlns="">
           <p:sp>
             <p:nvSpPr>
               <p:cNvPr id="19" name="Oval 18">
@@ -4621,8 +5937,8 @@
           </p:sp>
         </mc:Fallback>
       </mc:AlternateContent>
-      <mc:AlternateContent xmlns:mc="http://schemas.openxmlformats.org/markup-compatibility/2006">
-        <mc:Choice xmlns:a14="http://schemas.microsoft.com/office/drawing/2010/main" Requires="a14">
+      <mc:AlternateContent xmlns:mc="http://schemas.openxmlformats.org/markup-compatibility/2006" xmlns:a14="http://schemas.microsoft.com/office/drawing/2010/main">
+        <mc:Choice Requires="a14">
           <p:sp>
             <p:nvSpPr>
               <p:cNvPr id="20" name="Oval 19">
@@ -4700,7 +6016,7 @@
             </p:txBody>
           </p:sp>
         </mc:Choice>
-        <mc:Fallback>
+        <mc:Fallback xmlns="">
           <p:sp>
             <p:nvSpPr>
               <p:cNvPr id="20" name="Oval 19">
@@ -4838,8 +6154,8 @@
           </a:fontRef>
         </p:style>
       </p:cxnSp>
-      <mc:AlternateContent xmlns:mc="http://schemas.openxmlformats.org/markup-compatibility/2006">
-        <mc:Choice xmlns:a14="http://schemas.microsoft.com/office/drawing/2010/main" Requires="a14">
+      <mc:AlternateContent xmlns:mc="http://schemas.openxmlformats.org/markup-compatibility/2006" xmlns:a14="http://schemas.microsoft.com/office/drawing/2010/main">
+        <mc:Choice Requires="a14">
           <p:sp>
             <p:nvSpPr>
               <p:cNvPr id="23" name="TextBox 22">
@@ -4868,6 +6184,7 @@
               </a:bodyPr>
               <a:lstStyle/>
               <a:p>
+                <a:pPr/>
                 <a14:m>
                   <m:oMathPara xmlns:m="http://schemas.openxmlformats.org/officeDocument/2006/math">
                     <m:oMathParaPr>
@@ -4925,7 +6242,7 @@
             </p:txBody>
           </p:sp>
         </mc:Choice>
-        <mc:Fallback>
+        <mc:Fallback xmlns="">
           <p:sp>
             <p:nvSpPr>
               <p:cNvPr id="23" name="TextBox 22">
@@ -4970,8 +6287,8 @@
           </p:sp>
         </mc:Fallback>
       </mc:AlternateContent>
-      <mc:AlternateContent xmlns:mc="http://schemas.openxmlformats.org/markup-compatibility/2006">
-        <mc:Choice xmlns:a14="http://schemas.microsoft.com/office/drawing/2010/main" Requires="a14">
+      <mc:AlternateContent xmlns:mc="http://schemas.openxmlformats.org/markup-compatibility/2006" xmlns:a14="http://schemas.microsoft.com/office/drawing/2010/main">
+        <mc:Choice Requires="a14">
           <p:sp>
             <p:nvSpPr>
               <p:cNvPr id="24" name="TextBox 23">
@@ -5000,6 +6317,7 @@
               </a:bodyPr>
               <a:lstStyle/>
               <a:p>
+                <a:pPr/>
                 <a14:m>
                   <m:oMathPara xmlns:m="http://schemas.openxmlformats.org/officeDocument/2006/math">
                     <m:oMathParaPr>
@@ -5057,7 +6375,7 @@
             </p:txBody>
           </p:sp>
         </mc:Choice>
-        <mc:Fallback>
+        <mc:Fallback xmlns="">
           <p:sp>
             <p:nvSpPr>
               <p:cNvPr id="24" name="TextBox 23">

--- a/Platinum/202112/Problem1/images/images.pptx
+++ b/Platinum/202112/Problem1/images/images.pptx
@@ -4604,6 +4604,76 @@
           </a:fontRef>
         </p:style>
       </p:cxnSp>
+      <p:sp>
+        <p:nvSpPr>
+          <p:cNvPr id="32" name="TextBox 31">
+            <a:extLst>
+              <a:ext uri="{FF2B5EF4-FFF2-40B4-BE49-F238E27FC236}">
+                <a16:creationId xmlns:a16="http://schemas.microsoft.com/office/drawing/2014/main" id="{B77BFB50-B9AF-4CEB-A074-CBBC3277B3FE}"/>
+              </a:ext>
+            </a:extLst>
+          </p:cNvPr>
+          <p:cNvSpPr txBox="1"/>
+          <p:nvPr/>
+        </p:nvSpPr>
+        <p:spPr>
+          <a:xfrm>
+            <a:off x="2944663" y="4894546"/>
+            <a:ext cx="663580" cy="369332"/>
+          </a:xfrm>
+          <a:prstGeom prst="rect">
+            <a:avLst/>
+          </a:prstGeom>
+          <a:noFill/>
+        </p:spPr>
+        <p:txBody>
+          <a:bodyPr wrap="square" rtlCol="0">
+            <a:spAutoFit/>
+          </a:bodyPr>
+          <a:lstStyle/>
+          <a:p>
+            <a:r>
+              <a:rPr lang="en-US" dirty="0"/>
+              <a:t>100</a:t>
+            </a:r>
+          </a:p>
+        </p:txBody>
+      </p:sp>
+      <p:sp>
+        <p:nvSpPr>
+          <p:cNvPr id="33" name="TextBox 32">
+            <a:extLst>
+              <a:ext uri="{FF2B5EF4-FFF2-40B4-BE49-F238E27FC236}">
+                <a16:creationId xmlns:a16="http://schemas.microsoft.com/office/drawing/2014/main" id="{0FBD0B30-0048-4436-AC1B-6597F041BC65}"/>
+              </a:ext>
+            </a:extLst>
+          </p:cNvPr>
+          <p:cNvSpPr txBox="1"/>
+          <p:nvPr/>
+        </p:nvSpPr>
+        <p:spPr>
+          <a:xfrm>
+            <a:off x="4762886" y="4917819"/>
+            <a:ext cx="418704" cy="369332"/>
+          </a:xfrm>
+          <a:prstGeom prst="rect">
+            <a:avLst/>
+          </a:prstGeom>
+          <a:noFill/>
+        </p:spPr>
+        <p:txBody>
+          <a:bodyPr wrap="square" rtlCol="0">
+            <a:spAutoFit/>
+          </a:bodyPr>
+          <a:lstStyle/>
+          <a:p>
+            <a:r>
+              <a:rPr lang="en-US" dirty="0"/>
+              <a:t>0</a:t>
+            </a:r>
+          </a:p>
+        </p:txBody>
+      </p:sp>
     </p:spTree>
     <p:extLst>
       <p:ext uri="{BB962C8B-B14F-4D97-AF65-F5344CB8AC3E}">
